--- a/docs/assets/Cryptography.pptx
+++ b/docs/assets/Cryptography.pptx
@@ -154,6 +154,11 @@
       </a:defRPr>
     </a:lvl9pPr>
   </p:defaultTextStyle>
+  <p:extLst>
+    <p:ext uri="{EFAFB233-063F-42B5-8137-9DF3F51BA10A}">
+      <p15:sldGuideLst xmlns:p15="http://schemas.microsoft.com/office/powerpoint/2012/main"/>
+    </p:ext>
+  </p:extLst>
 </p:presentation>
 </file>
 
@@ -304,7 +309,7 @@
           <a:p>
             <a:fld id="{882DFC6A-A6C9-4B55-8C5C-4E8761E33D85}" type="datetimeFigureOut">
               <a:rPr lang="zh-CN" altLang="en-US" smtClean="0"/>
-              <a:t>2021/8/13</a:t>
+              <a:t>2021/8/14</a:t>
             </a:fld>
             <a:endParaRPr lang="zh-CN" altLang="en-US"/>
           </a:p>
@@ -502,7 +507,7 @@
           <a:p>
             <a:fld id="{882DFC6A-A6C9-4B55-8C5C-4E8761E33D85}" type="datetimeFigureOut">
               <a:rPr lang="zh-CN" altLang="en-US" smtClean="0"/>
-              <a:t>2021/8/13</a:t>
+              <a:t>2021/8/14</a:t>
             </a:fld>
             <a:endParaRPr lang="zh-CN" altLang="en-US"/>
           </a:p>
@@ -710,7 +715,7 @@
           <a:p>
             <a:fld id="{882DFC6A-A6C9-4B55-8C5C-4E8761E33D85}" type="datetimeFigureOut">
               <a:rPr lang="zh-CN" altLang="en-US" smtClean="0"/>
-              <a:t>2021/8/13</a:t>
+              <a:t>2021/8/14</a:t>
             </a:fld>
             <a:endParaRPr lang="zh-CN" altLang="en-US"/>
           </a:p>
@@ -908,7 +913,7 @@
           <a:p>
             <a:fld id="{882DFC6A-A6C9-4B55-8C5C-4E8761E33D85}" type="datetimeFigureOut">
               <a:rPr lang="zh-CN" altLang="en-US" smtClean="0"/>
-              <a:t>2021/8/13</a:t>
+              <a:t>2021/8/14</a:t>
             </a:fld>
             <a:endParaRPr lang="zh-CN" altLang="en-US"/>
           </a:p>
@@ -1183,7 +1188,7 @@
           <a:p>
             <a:fld id="{882DFC6A-A6C9-4B55-8C5C-4E8761E33D85}" type="datetimeFigureOut">
               <a:rPr lang="zh-CN" altLang="en-US" smtClean="0"/>
-              <a:t>2021/8/13</a:t>
+              <a:t>2021/8/14</a:t>
             </a:fld>
             <a:endParaRPr lang="zh-CN" altLang="en-US"/>
           </a:p>
@@ -1448,7 +1453,7 @@
           <a:p>
             <a:fld id="{882DFC6A-A6C9-4B55-8C5C-4E8761E33D85}" type="datetimeFigureOut">
               <a:rPr lang="zh-CN" altLang="en-US" smtClean="0"/>
-              <a:t>2021/8/13</a:t>
+              <a:t>2021/8/14</a:t>
             </a:fld>
             <a:endParaRPr lang="zh-CN" altLang="en-US"/>
           </a:p>
@@ -1860,7 +1865,7 @@
           <a:p>
             <a:fld id="{882DFC6A-A6C9-4B55-8C5C-4E8761E33D85}" type="datetimeFigureOut">
               <a:rPr lang="zh-CN" altLang="en-US" smtClean="0"/>
-              <a:t>2021/8/13</a:t>
+              <a:t>2021/8/14</a:t>
             </a:fld>
             <a:endParaRPr lang="zh-CN" altLang="en-US"/>
           </a:p>
@@ -2001,7 +2006,7 @@
           <a:p>
             <a:fld id="{882DFC6A-A6C9-4B55-8C5C-4E8761E33D85}" type="datetimeFigureOut">
               <a:rPr lang="zh-CN" altLang="en-US" smtClean="0"/>
-              <a:t>2021/8/13</a:t>
+              <a:t>2021/8/14</a:t>
             </a:fld>
             <a:endParaRPr lang="zh-CN" altLang="en-US"/>
           </a:p>
@@ -2114,7 +2119,7 @@
           <a:p>
             <a:fld id="{882DFC6A-A6C9-4B55-8C5C-4E8761E33D85}" type="datetimeFigureOut">
               <a:rPr lang="zh-CN" altLang="en-US" smtClean="0"/>
-              <a:t>2021/8/13</a:t>
+              <a:t>2021/8/14</a:t>
             </a:fld>
             <a:endParaRPr lang="zh-CN" altLang="en-US"/>
           </a:p>
@@ -2425,7 +2430,7 @@
           <a:p>
             <a:fld id="{882DFC6A-A6C9-4B55-8C5C-4E8761E33D85}" type="datetimeFigureOut">
               <a:rPr lang="zh-CN" altLang="en-US" smtClean="0"/>
-              <a:t>2021/8/13</a:t>
+              <a:t>2021/8/14</a:t>
             </a:fld>
             <a:endParaRPr lang="zh-CN" altLang="en-US"/>
           </a:p>
@@ -2713,7 +2718,7 @@
           <a:p>
             <a:fld id="{882DFC6A-A6C9-4B55-8C5C-4E8761E33D85}" type="datetimeFigureOut">
               <a:rPr lang="zh-CN" altLang="en-US" smtClean="0"/>
-              <a:t>2021/8/13</a:t>
+              <a:t>2021/8/14</a:t>
             </a:fld>
             <a:endParaRPr lang="zh-CN" altLang="en-US"/>
           </a:p>
@@ -2954,7 +2959,7 @@
           <a:p>
             <a:fld id="{882DFC6A-A6C9-4B55-8C5C-4E8761E33D85}" type="datetimeFigureOut">
               <a:rPr lang="zh-CN" altLang="en-US" smtClean="0"/>
-              <a:t>2021/8/13</a:t>
+              <a:t>2021/8/14</a:t>
             </a:fld>
             <a:endParaRPr lang="zh-CN" altLang="en-US"/>
           </a:p>
@@ -4525,8 +4530,12 @@
           <a:lstStyle/>
           <a:p>
             <a:r>
+              <a:rPr lang="en-US" altLang="zh-CN"/>
+              <a:t>PRG </a:t>
+            </a:r>
+            <a:r>
               <a:rPr lang="en-US" altLang="zh-CN" dirty="0"/>
-              <a:t>RPG with Flexible Length</a:t>
+              <a:t>with Flexible Length</a:t>
             </a:r>
             <a:endParaRPr lang="zh-CN" altLang="en-US" dirty="0"/>
           </a:p>
@@ -4652,8 +4661,8 @@
           </a:p>
         </p:txBody>
       </p:sp>
-      <mc:AlternateContent xmlns:mc="http://schemas.openxmlformats.org/markup-compatibility/2006">
-        <mc:Choice xmlns:a14="http://schemas.microsoft.com/office/drawing/2010/main" Requires="a14">
+      <mc:AlternateContent xmlns:mc="http://schemas.openxmlformats.org/markup-compatibility/2006" xmlns:a14="http://schemas.microsoft.com/office/drawing/2010/main">
+        <mc:Choice Requires="a14">
           <p:sp>
             <p:nvSpPr>
               <p:cNvPr id="3" name="内容占位符 2">
@@ -4818,7 +4827,7 @@
             </p:txBody>
           </p:sp>
         </mc:Choice>
-        <mc:Fallback>
+        <mc:Fallback xmlns="">
           <p:sp>
             <p:nvSpPr>
               <p:cNvPr id="3" name="内容占位符 2">
@@ -6346,8 +6355,8 @@
           </a:p>
         </p:txBody>
       </p:sp>
-      <mc:AlternateContent xmlns:mc="http://schemas.openxmlformats.org/markup-compatibility/2006">
-        <mc:Choice xmlns:a14="http://schemas.microsoft.com/office/drawing/2010/main" Requires="a14">
+      <mc:AlternateContent xmlns:mc="http://schemas.openxmlformats.org/markup-compatibility/2006" xmlns:a14="http://schemas.microsoft.com/office/drawing/2010/main">
+        <mc:Choice Requires="a14">
           <p:sp>
             <p:nvSpPr>
               <p:cNvPr id="3" name="内容占位符 2">
@@ -6432,7 +6441,7 @@
             </p:txBody>
           </p:sp>
         </mc:Choice>
-        <mc:Fallback>
+        <mc:Fallback xmlns="">
           <p:sp>
             <p:nvSpPr>
               <p:cNvPr id="3" name="内容占位符 2">
@@ -7637,8 +7646,8 @@
           </a:p>
         </p:txBody>
       </p:sp>
-      <mc:AlternateContent xmlns:mc="http://schemas.openxmlformats.org/markup-compatibility/2006">
-        <mc:Choice xmlns:a14="http://schemas.microsoft.com/office/drawing/2010/main" Requires="a14">
+      <mc:AlternateContent xmlns:mc="http://schemas.openxmlformats.org/markup-compatibility/2006" xmlns:a14="http://schemas.microsoft.com/office/drawing/2010/main">
+        <mc:Choice Requires="a14">
           <p:sp>
             <p:nvSpPr>
               <p:cNvPr id="3" name="内容占位符 2">
@@ -8033,7 +8042,7 @@
             </p:txBody>
           </p:sp>
         </mc:Choice>
-        <mc:Fallback>
+        <mc:Fallback xmlns="">
           <p:sp>
             <p:nvSpPr>
               <p:cNvPr id="3" name="内容占位符 2">
@@ -9732,8 +9741,8 @@
           </a:p>
         </p:txBody>
       </p:sp>
-      <mc:AlternateContent xmlns:mc="http://schemas.openxmlformats.org/markup-compatibility/2006">
-        <mc:Choice xmlns:a14="http://schemas.microsoft.com/office/drawing/2010/main" Requires="a14">
+      <mc:AlternateContent xmlns:mc="http://schemas.openxmlformats.org/markup-compatibility/2006" xmlns:a14="http://schemas.microsoft.com/office/drawing/2010/main">
+        <mc:Choice Requires="a14">
           <p:sp>
             <p:nvSpPr>
               <p:cNvPr id="3" name="内容占位符 2">
@@ -10060,7 +10069,7 @@
             </p:txBody>
           </p:sp>
         </mc:Choice>
-        <mc:Fallback>
+        <mc:Fallback xmlns="">
           <p:sp>
             <p:nvSpPr>
               <p:cNvPr id="3" name="内容占位符 2">
@@ -10189,8 +10198,8 @@
           </a:p>
         </p:txBody>
       </p:sp>
-      <mc:AlternateContent xmlns:mc="http://schemas.openxmlformats.org/markup-compatibility/2006">
-        <mc:Choice xmlns:a14="http://schemas.microsoft.com/office/drawing/2010/main" Requires="a14">
+      <mc:AlternateContent xmlns:mc="http://schemas.openxmlformats.org/markup-compatibility/2006" xmlns:a14="http://schemas.microsoft.com/office/drawing/2010/main">
+        <mc:Choice Requires="a14">
           <p:sp>
             <p:nvSpPr>
               <p:cNvPr id="3" name="内容占位符 2">
@@ -10645,7 +10654,7 @@
             </p:txBody>
           </p:sp>
         </mc:Choice>
-        <mc:Fallback>
+        <mc:Fallback xmlns="">
           <p:sp>
             <p:nvSpPr>
               <p:cNvPr id="3" name="内容占位符 2">
@@ -10744,8 +10753,8 @@
           </a:p>
         </p:txBody>
       </p:sp>
-      <mc:AlternateContent xmlns:mc="http://schemas.openxmlformats.org/markup-compatibility/2006">
-        <mc:Choice xmlns:a14="http://schemas.microsoft.com/office/drawing/2010/main" Requires="a14">
+      <mc:AlternateContent xmlns:mc="http://schemas.openxmlformats.org/markup-compatibility/2006" xmlns:a14="http://schemas.microsoft.com/office/drawing/2010/main">
+        <mc:Choice Requires="a14">
           <p:sp>
             <p:nvSpPr>
               <p:cNvPr id="3" name="内容占位符 2">
@@ -11476,7 +11485,7 @@
             </p:txBody>
           </p:sp>
         </mc:Choice>
-        <mc:Fallback>
+        <mc:Fallback xmlns="">
           <p:sp>
             <p:nvSpPr>
               <p:cNvPr id="3" name="内容占位符 2">
@@ -11575,8 +11584,8 @@
           </a:p>
         </p:txBody>
       </p:sp>
-      <mc:AlternateContent xmlns:mc="http://schemas.openxmlformats.org/markup-compatibility/2006">
-        <mc:Choice xmlns:a14="http://schemas.microsoft.com/office/drawing/2010/main" Requires="a14">
+      <mc:AlternateContent xmlns:mc="http://schemas.openxmlformats.org/markup-compatibility/2006" xmlns:a14="http://schemas.microsoft.com/office/drawing/2010/main">
+        <mc:Choice Requires="a14">
           <p:sp>
             <p:nvSpPr>
               <p:cNvPr id="3" name="内容占位符 2">
@@ -12484,7 +12493,7 @@
             </p:txBody>
           </p:sp>
         </mc:Choice>
-        <mc:Fallback>
+        <mc:Fallback xmlns="">
           <p:sp>
             <p:nvSpPr>
               <p:cNvPr id="3" name="内容占位符 2">
@@ -12671,8 +12680,8 @@
           </a:p>
         </p:txBody>
       </p:sp>
-      <mc:AlternateContent xmlns:mc="http://schemas.openxmlformats.org/markup-compatibility/2006">
-        <mc:Choice xmlns:a14="http://schemas.microsoft.com/office/drawing/2010/main" Requires="a14">
+      <mc:AlternateContent xmlns:mc="http://schemas.openxmlformats.org/markup-compatibility/2006" xmlns:a14="http://schemas.microsoft.com/office/drawing/2010/main">
+        <mc:Choice Requires="a14">
           <p:sp>
             <p:nvSpPr>
               <p:cNvPr id="3" name="内容占位符 2">
@@ -12936,7 +12945,7 @@
             </p:txBody>
           </p:sp>
         </mc:Choice>
-        <mc:Fallback>
+        <mc:Fallback xmlns="">
           <p:sp>
             <p:nvSpPr>
               <p:cNvPr id="3" name="内容占位符 2">
@@ -13185,8 +13194,8 @@
           </a:p>
         </p:txBody>
       </p:sp>
-      <mc:AlternateContent xmlns:mc="http://schemas.openxmlformats.org/markup-compatibility/2006">
-        <mc:Choice xmlns:a14="http://schemas.microsoft.com/office/drawing/2010/main" Requires="a14">
+      <mc:AlternateContent xmlns:mc="http://schemas.openxmlformats.org/markup-compatibility/2006" xmlns:a14="http://schemas.microsoft.com/office/drawing/2010/main">
+        <mc:Choice Requires="a14">
           <p:sp>
             <p:nvSpPr>
               <p:cNvPr id="3" name="内容占位符 2">
@@ -13464,7 +13473,7 @@
             </p:txBody>
           </p:sp>
         </mc:Choice>
-        <mc:Fallback>
+        <mc:Fallback xmlns="">
           <p:sp>
             <p:nvSpPr>
               <p:cNvPr id="3" name="内容占位符 2">
